--- a/Chapter 16/What is Next.pptx
+++ b/Chapter 16/What is Next.pptx
@@ -280,6 +280,44 @@
             <ac:picMk id="8" creationId="{D434E3C3-6707-FF59-4A24-D704AA6591F8}"/>
           </ac:picMkLst>
         </pc:picChg>
+      </pc:sldChg>
+    </pc:docChg>
+  </pc:docChgLst>
+  <pc:docChgLst>
+    <pc:chgData name="JJ Jasser" userId="f40bff76-0256-4fd5-9af2-11441f8452e7" providerId="ADAL" clId="{FE478296-95C2-45D0-A185-D5BE08A2D3D6}"/>
+    <pc:docChg chg="modSld">
+      <pc:chgData name="JJ Jasser" userId="f40bff76-0256-4fd5-9af2-11441f8452e7" providerId="ADAL" clId="{FE478296-95C2-45D0-A185-D5BE08A2D3D6}" dt="2024-05-31T01:15:37.782" v="8" actId="20577"/>
+      <pc:docMkLst>
+        <pc:docMk/>
+      </pc:docMkLst>
+      <pc:sldChg chg="modSp mod">
+        <pc:chgData name="JJ Jasser" userId="f40bff76-0256-4fd5-9af2-11441f8452e7" providerId="ADAL" clId="{FE478296-95C2-45D0-A185-D5BE08A2D3D6}" dt="2024-05-31T01:15:04.612" v="2" actId="20577"/>
+        <pc:sldMkLst>
+          <pc:docMk/>
+          <pc:sldMk cId="3655810881" sldId="257"/>
+        </pc:sldMkLst>
+        <pc:spChg chg="mod">
+          <ac:chgData name="JJ Jasser" userId="f40bff76-0256-4fd5-9af2-11441f8452e7" providerId="ADAL" clId="{FE478296-95C2-45D0-A185-D5BE08A2D3D6}" dt="2024-05-31T01:15:04.612" v="2" actId="20577"/>
+          <ac:spMkLst>
+            <pc:docMk/>
+            <pc:sldMk cId="3655810881" sldId="257"/>
+            <ac:spMk id="3" creationId="{6EE238D4-913E-0009-5181-FB324ABD07A6}"/>
+          </ac:spMkLst>
+        </pc:spChg>
+      </pc:sldChg>
+      <pc:sldChg chg="modNotesTx">
+        <pc:chgData name="JJ Jasser" userId="f40bff76-0256-4fd5-9af2-11441f8452e7" providerId="ADAL" clId="{FE478296-95C2-45D0-A185-D5BE08A2D3D6}" dt="2024-05-31T01:15:33.996" v="5" actId="20577"/>
+        <pc:sldMkLst>
+          <pc:docMk/>
+          <pc:sldMk cId="3573871790" sldId="276"/>
+        </pc:sldMkLst>
+      </pc:sldChg>
+      <pc:sldChg chg="modNotesTx">
+        <pc:chgData name="JJ Jasser" userId="f40bff76-0256-4fd5-9af2-11441f8452e7" providerId="ADAL" clId="{FE478296-95C2-45D0-A185-D5BE08A2D3D6}" dt="2024-05-31T01:15:37.782" v="8" actId="20577"/>
+        <pc:sldMkLst>
+          <pc:docMk/>
+          <pc:sldMk cId="144255286" sldId="277"/>
+        </pc:sldMkLst>
       </pc:sldChg>
     </pc:docChg>
   </pc:docChgLst>
@@ -5623,7 +5661,7 @@
           <a:p>
             <a:fld id="{30C1655B-C024-43E1-B5F4-82A397B5C8B0}" type="datetimeFigureOut">
               <a:rPr lang="en-US" smtClean="0"/>
-              <a:t>5/29/2024</a:t>
+              <a:t>5/30/2024</a:t>
             </a:fld>
             <a:endParaRPr lang="en-US"/>
           </a:p>
@@ -7098,16 +7136,8 @@
           <a:lstStyle/>
           <a:p>
             <a:r>
-              <a:rPr lang="en-US"/>
-              <a:t>Graduates with advanced degrees in data science, statistics, or related fields have a wide range of career opportunities available to them. These include academic and research positions, industry positions, and consulting roles in data analytics, business intelligence, and market research.
-Original Content:
-Career Opportunities:
-Graduates with advanced degrees in data science, statistics, or related fields are well-positioned for various academic and research positions, including:
-Lecturers, professors, and researchers at universities
-Research scientists in government agencies, laboratories, or private companies.
-Data scientists and statisticians in industries such as finance, healthcare, and technology
-Consulting roles in data analytics, business intelligence, and market research
-</a:t>
+              <a:rPr lang="en-US" dirty="0"/>
+              <a:t>Graduates with advanced degrees in data science, statistics, or related fields have a wide range of career opportunities available to them. These include academic and research positions, industry positions, and consulting roles in data analytics, business intelligence, and market research.</a:t>
             </a:r>
           </a:p>
         </p:txBody>
@@ -7193,15 +7223,8 @@
           <a:lstStyle/>
           <a:p>
             <a:r>
-              <a:rPr lang="en-US"/>
+              <a:rPr lang="en-US" dirty="0"/>
               <a:t>Embark on the journey of data science and embrace the mindset of a lifelong learner. Engage with the community, overcome challenges, and use your skills for the greater good. Never lose sight of your passion for discovery and unlock the secrets hidden within data.
-Original Content:
-The journey through data analytics and R programming is merely the first step in a thrilling odyssey of discovery and impact. As you embark on this path, remember that the true essence of data science lies in its perpetual evolution. Embrace the mindset of a lifelong learner, continuously updating your knowledge and skills to stay at the forefront of this rapidly advancing field.
-Engage with the vibrant data science community through various channels. Participate in online forums, attend workshops and conferences, and network with fellow practitioners. These interactions will not only expand your horizons but also provide valuable insights and perspectives that can enrich your understanding of data analytics.
-The path of a data scientist is not without its challenges. You will encounter complex problems, demanding deadlines, and the need to navigate vast amounts of data. However, these challenges are precisely what make this field so rewarding. With each obstacle overcome, you will grow professionally, honing your analytical skills and problem-solving abilities.
-Remember, the potential impact you can make with data is truly boundless. Data science has the power to transform industries, solve real-world problems, and improve the lives of millions. Embrace this responsibility with humility and integrity, always striving to use your knowledge and skills for the greater good.
-As you progress on your data science journey, never lose sight of your passion for discovery and your desire to make a difference. Let your analytical prowess pave the way to a fulfilling and impactful career, where every day presents a new opportunity to unlock the secrets hidden within data.
-We wish you the best on whatever path you decide to take.
 </a:t>
             </a:r>
           </a:p>
@@ -8185,7 +8208,7 @@
           <a:p>
             <a:fld id="{655A5808-3B61-48CC-92EF-85AC2E0DFA56}" type="datetime2">
               <a:rPr lang="en-US" smtClean="0"/>
-              <a:t>Wednesday, May 29, 2024</a:t>
+              <a:t>Thursday, May 30, 2024</a:t>
             </a:fld>
             <a:endParaRPr lang="en-US"/>
           </a:p>
@@ -8388,7 +8411,7 @@
           <a:p>
             <a:fld id="{735E98AF-4574-4509-BF7A-519ACD5BF826}" type="datetime2">
               <a:rPr lang="en-US" smtClean="0"/>
-              <a:t>Wednesday, May 29, 2024</a:t>
+              <a:t>Thursday, May 30, 2024</a:t>
             </a:fld>
             <a:endParaRPr lang="en-US"/>
           </a:p>
@@ -8750,7 +8773,7 @@
           <a:p>
             <a:fld id="{93DD97D4-9636-490F-85D0-E926C2B6F3B1}" type="datetime2">
               <a:rPr lang="en-US" smtClean="0"/>
-              <a:t>Wednesday, May 29, 2024</a:t>
+              <a:t>Thursday, May 30, 2024</a:t>
             </a:fld>
             <a:endParaRPr lang="en-US"/>
           </a:p>
@@ -8948,7 +8971,7 @@
           <a:p>
             <a:fld id="{2F3AF3C6-0FD4-4939-991C-00DDE5C56815}" type="datetime2">
               <a:rPr lang="en-US" smtClean="0"/>
-              <a:t>Wednesday, May 29, 2024</a:t>
+              <a:t>Thursday, May 30, 2024</a:t>
             </a:fld>
             <a:endParaRPr lang="en-US"/>
           </a:p>
@@ -9260,7 +9283,7 @@
           <a:p>
             <a:fld id="{86807482-8128-47C6-A8DD-6452B0291CFF}" type="datetime2">
               <a:rPr lang="en-US" smtClean="0"/>
-              <a:t>Wednesday, May 29, 2024</a:t>
+              <a:t>Thursday, May 30, 2024</a:t>
             </a:fld>
             <a:endParaRPr lang="en-US"/>
           </a:p>
@@ -9513,7 +9536,7 @@
           <a:p>
             <a:fld id="{37903F25-275E-41DE-BE3B-EBF0DB49F9B1}" type="datetime2">
               <a:rPr lang="en-US" smtClean="0"/>
-              <a:t>Wednesday, May 29, 2024</a:t>
+              <a:t>Thursday, May 30, 2024</a:t>
             </a:fld>
             <a:endParaRPr lang="en-US"/>
           </a:p>
@@ -9935,7 +9958,7 @@
           <a:p>
             <a:fld id="{EE475572-4A44-4171-84AA-64D42C8050A6}" type="datetime2">
               <a:rPr lang="en-US" smtClean="0"/>
-              <a:t>Wednesday, May 29, 2024</a:t>
+              <a:t>Thursday, May 30, 2024</a:t>
             </a:fld>
             <a:endParaRPr lang="en-US"/>
           </a:p>
@@ -10058,7 +10081,7 @@
           <a:p>
             <a:fld id="{C4C1612E-528E-4FD5-9E9E-E15F1108F171}" type="datetime2">
               <a:rPr lang="en-US" smtClean="0"/>
-              <a:t>Wednesday, May 29, 2024</a:t>
+              <a:t>Thursday, May 30, 2024</a:t>
             </a:fld>
             <a:endParaRPr lang="en-US"/>
           </a:p>
@@ -10153,7 +10176,7 @@
           <a:p>
             <a:fld id="{D4F6D862-A06D-436F-A92E-EBAAD50B6E50}" type="datetime2">
               <a:rPr lang="en-US" smtClean="0"/>
-              <a:t>Wednesday, May 29, 2024</a:t>
+              <a:t>Thursday, May 30, 2024</a:t>
             </a:fld>
             <a:endParaRPr lang="en-US"/>
           </a:p>
@@ -10530,7 +10553,7 @@
           <a:p>
             <a:fld id="{B73E0B7D-2260-4809-8F0A-9E5F3E24F169}" type="datetime2">
               <a:rPr lang="en-US" smtClean="0"/>
-              <a:t>Wednesday, May 29, 2024</a:t>
+              <a:t>Thursday, May 30, 2024</a:t>
             </a:fld>
             <a:endParaRPr lang="en-US"/>
           </a:p>
@@ -10822,7 +10845,7 @@
           <a:p>
             <a:fld id="{3C8E4735-C637-46A3-94EB-AB3AC4188D2F}" type="datetime2">
               <a:rPr lang="en-US" smtClean="0"/>
-              <a:t>Wednesday, May 29, 2024</a:t>
+              <a:t>Thursday, May 30, 2024</a:t>
             </a:fld>
             <a:endParaRPr lang="en-US"/>
           </a:p>
@@ -11037,7 +11060,7 @@
             <a:fld id="{AE0C963C-C1DB-4AFD-9DDC-0691666BF49B}" type="datetime2">
               <a:rPr lang="en-US" smtClean="0"/>
               <a:pPr/>
-              <a:t>Wednesday, May 29, 2024</a:t>
+              <a:t>Thursday, May 30, 2024</a:t>
             </a:fld>
             <a:endParaRPr lang="en-US" cap="all" dirty="0"/>
           </a:p>
@@ -13560,56 +13583,50 @@
           <a:lstStyle/>
           <a:p>
             <a:r>
-              <a:rPr lang="en-US"/>
+              <a:rPr lang="en-US" dirty="0"/>
               <a:t>Overview</a:t>
             </a:r>
           </a:p>
           <a:p>
             <a:r>
-              <a:rPr lang="en-US"/>
+              <a:rPr lang="en-US" dirty="0"/>
               <a:t>Advanced Statistical Analysis</a:t>
             </a:r>
           </a:p>
           <a:p>
             <a:r>
-              <a:rPr lang="en-US"/>
+              <a:rPr lang="en-US" dirty="0"/>
               <a:t>Machine Learning and Artificial Intelligence</a:t>
             </a:r>
           </a:p>
           <a:p>
             <a:r>
-              <a:rPr lang="en-US"/>
+              <a:rPr lang="en-US" dirty="0"/>
               <a:t>Data Visualization and Communication</a:t>
             </a:r>
           </a:p>
           <a:p>
             <a:r>
-              <a:rPr lang="en-US"/>
+              <a:rPr lang="en-US" dirty="0"/>
               <a:t>Big Data and Data Engineering</a:t>
             </a:r>
           </a:p>
           <a:p>
             <a:r>
-              <a:rPr lang="en-US"/>
+              <a:rPr lang="en-US" dirty="0"/>
               <a:t>Domain-Specific Analytics</a:t>
             </a:r>
           </a:p>
           <a:p>
             <a:r>
-              <a:rPr lang="en-US"/>
+              <a:rPr lang="en-US" dirty="0"/>
               <a:t>Research and Academia</a:t>
             </a:r>
           </a:p>
           <a:p>
             <a:r>
-              <a:rPr lang="en-US"/>
+              <a:rPr lang="en-US" dirty="0"/>
               <a:t>Conclusion</a:t>
-            </a:r>
-          </a:p>
-          <a:p>
-            <a:r>
-              <a:rPr lang="en-US"/>
-              <a:t>Exercise</a:t>
             </a:r>
           </a:p>
         </p:txBody>
